--- a/classes/Physics9ab/downloads/Force.pptx
+++ b/classes/Physics9ab/downloads/Force.pptx
@@ -3025,6 +3025,13 @@
   <p:clrMapOvr>
     <a:masterClrMapping/>
   </p:clrMapOvr>
+  <p:timing>
+    <p:tnLst>
+      <p:par>
+        <p:cTn id="1" dur="indefinite" restart="never" nodeType="tmRoot"/>
+      </p:par>
+    </p:tnLst>
+  </p:timing>
 </p:sld>
 </file>
 
@@ -3085,11 +3092,7 @@
           <a:p>
             <a:r>
               <a:rPr lang="en-US" dirty="0" smtClean="0"/>
-              <a:t>A 800 kg car starts from rest. A force of 1000 N accelerates it for 10 s. How much will be the car’s speed and momentum? How much distance will be covered by </a:t>
-            </a:r>
-            <a:r>
-              <a:rPr lang="en-US" smtClean="0"/>
-              <a:t>the car?</a:t>
+              <a:t>A 800 kg car starts from rest. A force of 1000 N accelerates it for 10 s. How much will be the car’s speed and momentum? How much distance will be covered by the car?</a:t>
             </a:r>
             <a:endParaRPr lang="en-US" dirty="0"/>
           </a:p>
@@ -7404,7 +7407,19 @@
                 </a:r>
                 <a:r>
                   <a:rPr lang="en-US" b="1" dirty="0"/>
-                  <a:t>net force acting on an object equals the product of the mass and the acceleration of the object. </a:t>
+                  <a:t>net force </a:t>
+                </a:r>
+                <a:r>
+                  <a:rPr lang="en-US" b="1"/>
+                  <a:t>acting </a:t>
+                </a:r>
+                <a:r>
+                  <a:rPr lang="en-US" b="1" smtClean="0"/>
+                  <a:t>upon </a:t>
+                </a:r>
+                <a:r>
+                  <a:rPr lang="en-US" b="1" dirty="0"/>
+                  <a:t>an object equals the product of the mass and the acceleration of the object. </a:t>
                 </a:r>
                 <a:endParaRPr lang="en-US" b="1" dirty="0" smtClean="0"/>
               </a:p>

--- a/classes/Physics9ab/downloads/Force.pptx
+++ b/classes/Physics9ab/downloads/Force.pptx
@@ -15,6 +15,8 @@
     <p:sldId id="263" r:id="rId9"/>
     <p:sldId id="264" r:id="rId10"/>
     <p:sldId id="265" r:id="rId11"/>
+    <p:sldId id="266" r:id="rId12"/>
+    <p:sldId id="267" r:id="rId13"/>
   </p:sldIdLst>
   <p:sldSz cx="12192000" cy="6858000"/>
   <p:notesSz cx="6858000" cy="9144000"/>
@@ -3118,6 +3120,193 @@
 </p:sld>
 </file>
 
+<file path=ppt/slides/slide11.xml><?xml version="1.0" encoding="utf-8"?>
+<p:sld xmlns:a="http://schemas.openxmlformats.org/drawingml/2006/main" xmlns:r="http://schemas.openxmlformats.org/officeDocument/2006/relationships" xmlns:p="http://schemas.openxmlformats.org/presentationml/2006/main">
+  <p:cSld>
+    <p:spTree>
+      <p:nvGrpSpPr>
+        <p:cNvPr id="1" name=""/>
+        <p:cNvGrpSpPr/>
+        <p:nvPr/>
+      </p:nvGrpSpPr>
+      <p:grpSpPr>
+        <a:xfrm>
+          <a:off x="0" y="0"/>
+          <a:ext cx="0" cy="0"/>
+          <a:chOff x="0" y="0"/>
+          <a:chExt cx="0" cy="0"/>
+        </a:xfrm>
+      </p:grpSpPr>
+      <p:sp>
+        <p:nvSpPr>
+          <p:cNvPr id="2" name="Title 1"/>
+          <p:cNvSpPr>
+            <a:spLocks noGrp="1"/>
+          </p:cNvSpPr>
+          <p:nvPr>
+            <p:ph type="title"/>
+          </p:nvPr>
+        </p:nvSpPr>
+        <p:spPr/>
+        <p:txBody>
+          <a:bodyPr/>
+          <a:lstStyle/>
+          <a:p>
+            <a:r>
+              <a:rPr lang="en-US" dirty="0" smtClean="0"/>
+              <a:t>Problem 4.</a:t>
+            </a:r>
+            <a:endParaRPr lang="en-US" dirty="0"/>
+          </a:p>
+        </p:txBody>
+      </p:sp>
+      <p:sp>
+        <p:nvSpPr>
+          <p:cNvPr id="3" name="Content Placeholder 2"/>
+          <p:cNvSpPr>
+            <a:spLocks noGrp="1"/>
+          </p:cNvSpPr>
+          <p:nvPr>
+            <p:ph idx="1"/>
+          </p:nvPr>
+        </p:nvSpPr>
+        <p:spPr/>
+        <p:txBody>
+          <a:bodyPr/>
+          <a:lstStyle/>
+          <a:p>
+            <a:pPr lvl="0"/>
+            <a:r>
+              <a:rPr lang="en-US" dirty="0"/>
+              <a:t>A 0.15 kg object moves with a speed of 6 m/s. It starts to brake and stops in 20 s. Find the force</a:t>
+            </a:r>
+            <a:r>
+              <a:rPr lang="en-US" dirty="0" smtClean="0"/>
+              <a:t>.</a:t>
+            </a:r>
+            <a:endParaRPr lang="en-US" dirty="0"/>
+          </a:p>
+        </p:txBody>
+      </p:sp>
+    </p:spTree>
+    <p:extLst>
+      <p:ext uri="{BB962C8B-B14F-4D97-AF65-F5344CB8AC3E}">
+        <p14:creationId xmlns:p14="http://schemas.microsoft.com/office/powerpoint/2010/main" val="3699658172"/>
+      </p:ext>
+    </p:extLst>
+  </p:cSld>
+  <p:clrMapOvr>
+    <a:masterClrMapping/>
+  </p:clrMapOvr>
+  <p:timing>
+    <p:tnLst>
+      <p:par>
+        <p:cTn id="1" dur="indefinite" restart="never" nodeType="tmRoot"/>
+      </p:par>
+    </p:tnLst>
+  </p:timing>
+</p:sld>
+</file>
+
+<file path=ppt/slides/slide12.xml><?xml version="1.0" encoding="utf-8"?>
+<p:sld xmlns:a="http://schemas.openxmlformats.org/drawingml/2006/main" xmlns:r="http://schemas.openxmlformats.org/officeDocument/2006/relationships" xmlns:p="http://schemas.openxmlformats.org/presentationml/2006/main">
+  <p:cSld>
+    <p:spTree>
+      <p:nvGrpSpPr>
+        <p:cNvPr id="1" name=""/>
+        <p:cNvGrpSpPr/>
+        <p:nvPr/>
+      </p:nvGrpSpPr>
+      <p:grpSpPr>
+        <a:xfrm>
+          <a:off x="0" y="0"/>
+          <a:ext cx="0" cy="0"/>
+          <a:chOff x="0" y="0"/>
+          <a:chExt cx="0" cy="0"/>
+        </a:xfrm>
+      </p:grpSpPr>
+      <p:sp>
+        <p:nvSpPr>
+          <p:cNvPr id="2" name="Title 1"/>
+          <p:cNvSpPr>
+            <a:spLocks noGrp="1"/>
+          </p:cNvSpPr>
+          <p:nvPr>
+            <p:ph type="title"/>
+          </p:nvPr>
+        </p:nvSpPr>
+        <p:spPr/>
+        <p:txBody>
+          <a:bodyPr/>
+          <a:lstStyle/>
+          <a:p>
+            <a:r>
+              <a:rPr lang="en-US" dirty="0" smtClean="0"/>
+              <a:t>Problem 5.</a:t>
+            </a:r>
+            <a:endParaRPr lang="en-US" dirty="0"/>
+          </a:p>
+        </p:txBody>
+      </p:sp>
+      <p:sp>
+        <p:nvSpPr>
+          <p:cNvPr id="3" name="Content Placeholder 2"/>
+          <p:cNvSpPr>
+            <a:spLocks noGrp="1"/>
+          </p:cNvSpPr>
+          <p:nvPr>
+            <p:ph idx="1"/>
+          </p:nvPr>
+        </p:nvSpPr>
+        <p:spPr/>
+        <p:txBody>
+          <a:bodyPr/>
+          <a:lstStyle/>
+          <a:p>
+            <a:r>
+              <a:rPr lang="en-US" dirty="0" smtClean="0"/>
+              <a:t>A train of 450 t starts to brake. Its speed decreases from 72 km/h to 54 km/h in 25 s. </a:t>
+            </a:r>
+            <a:br>
+              <a:rPr lang="en-US" dirty="0" smtClean="0"/>
+            </a:br>
+            <a:r>
+              <a:rPr lang="en-US" dirty="0" smtClean="0"/>
+              <a:t>a.) Calculate the distance covered.</a:t>
+            </a:r>
+            <a:br>
+              <a:rPr lang="en-US" dirty="0" smtClean="0"/>
+            </a:br>
+            <a:r>
+              <a:rPr lang="en-US" dirty="0" smtClean="0"/>
+              <a:t>b.) Calculate the braking force.</a:t>
+            </a:r>
+          </a:p>
+          <a:p>
+            <a:endParaRPr lang="en-US" dirty="0"/>
+          </a:p>
+        </p:txBody>
+      </p:sp>
+    </p:spTree>
+    <p:extLst>
+      <p:ext uri="{BB962C8B-B14F-4D97-AF65-F5344CB8AC3E}">
+        <p14:creationId xmlns:p14="http://schemas.microsoft.com/office/powerpoint/2010/main" val="1269937155"/>
+      </p:ext>
+    </p:extLst>
+  </p:cSld>
+  <p:clrMapOvr>
+    <a:masterClrMapping/>
+  </p:clrMapOvr>
+  <p:timing>
+    <p:tnLst>
+      <p:par>
+        <p:cTn id="1" dur="indefinite" restart="never" nodeType="tmRoot"/>
+      </p:par>
+    </p:tnLst>
+  </p:timing>
+</p:sld>
+</file>
+
 <file path=ppt/slides/slide2.xml><?xml version="1.0" encoding="utf-8"?>
 <p:sld xmlns:a="http://schemas.openxmlformats.org/drawingml/2006/main" xmlns:r="http://schemas.openxmlformats.org/officeDocument/2006/relationships" xmlns:p="http://schemas.openxmlformats.org/presentationml/2006/main">
   <p:cSld>
@@ -3200,7 +3389,11 @@
           </a:p>
           <a:p>
             <a:r>
-              <a:rPr lang="en-US" dirty="0"/>
+              <a:rPr lang="en-US" dirty="0">
+                <a:solidFill>
+                  <a:srgbClr val="FF0000"/>
+                </a:solidFill>
+              </a:rPr>
               <a:t>A force is any influence that can change the velocity of an object.</a:t>
             </a:r>
           </a:p>
@@ -7407,19 +7600,27 @@
                 </a:r>
                 <a:r>
                   <a:rPr lang="en-US" b="1" dirty="0"/>
-                  <a:t>net force </a:t>
+                  <a:t>net force acting </a:t>
                 </a:r>
                 <a:r>
-                  <a:rPr lang="en-US" b="1"/>
-                  <a:t>acting </a:t>
-                </a:r>
-                <a:r>
-                  <a:rPr lang="en-US" b="1" smtClean="0"/>
+                  <a:rPr lang="en-US" b="1" dirty="0" smtClean="0"/>
                   <a:t>upon </a:t>
                 </a:r>
                 <a:r>
                   <a:rPr lang="en-US" b="1" dirty="0"/>
-                  <a:t>an object equals the product of the mass and the acceleration of the object. </a:t>
+                  <a:t>an object </a:t>
+                </a:r>
+                <a:r>
+                  <a:rPr lang="en-US" b="1"/>
+                  <a:t>equals </a:t>
+                </a:r>
+                <a:r>
+                  <a:rPr lang="en-US" b="1" smtClean="0"/>
+                  <a:t>to the </a:t>
+                </a:r>
+                <a:r>
+                  <a:rPr lang="en-US" b="1" dirty="0"/>
+                  <a:t>product of the mass and the acceleration of the object. </a:t>
                 </a:r>
                 <a:endParaRPr lang="en-US" b="1" dirty="0" smtClean="0"/>
               </a:p>
